--- a/MS1 - DD2.pptx
+++ b/MS1 - DD2.pptx
@@ -6,10 +6,11 @@
   </p:sldMasterIdLst>
   <p:sldIdLst>
     <p:sldId id="256" r:id="rId2"/>
-    <p:sldId id="257" r:id="rId3"/>
-    <p:sldId id="258" r:id="rId4"/>
-    <p:sldId id="259" r:id="rId5"/>
-    <p:sldId id="260" r:id="rId6"/>
+    <p:sldId id="261" r:id="rId3"/>
+    <p:sldId id="257" r:id="rId4"/>
+    <p:sldId id="258" r:id="rId5"/>
+    <p:sldId id="259" r:id="rId6"/>
+    <p:sldId id="260" r:id="rId7"/>
   </p:sldIdLst>
   <p:sldSz cx="12192000" cy="6858000"/>
   <p:notesSz cx="6858000" cy="9144000"/>
@@ -5960,10 +5961,10 @@
       </p:grpSpPr>
       <p:sp>
         <p:nvSpPr>
-          <p:cNvPr id="2" name="Title 1">
+          <p:cNvPr id="3" name="Content Placeholder 2">
             <a:extLst>
               <a:ext uri="{FF2B5EF4-FFF2-40B4-BE49-F238E27FC236}">
-                <a16:creationId xmlns:a16="http://schemas.microsoft.com/office/drawing/2014/main" id="{C9C3CE29-2FE7-BA48-92A3-81C32CB4EA7B}"/>
+                <a16:creationId xmlns:a16="http://schemas.microsoft.com/office/drawing/2014/main" id="{CD717B56-32D4-DA4D-B845-C35A61E38883}"/>
               </a:ext>
             </a:extLst>
           </p:cNvPr>
@@ -5971,82 +5972,39 @@
             <a:spLocks noGrp="1"/>
           </p:cNvSpPr>
           <p:nvPr>
-            <p:ph type="title"/>
-          </p:nvPr>
-        </p:nvSpPr>
-        <p:spPr/>
-        <p:txBody>
-          <a:bodyPr/>
-          <a:lstStyle/>
-          <a:p>
-            <a:r>
-              <a:rPr lang="en-US" b="1" dirty="0"/>
-              <a:t>Technical Aspects</a:t>
-            </a:r>
-            <a:endParaRPr lang="en-US" dirty="0"/>
-          </a:p>
-        </p:txBody>
-      </p:sp>
-      <p:sp>
-        <p:nvSpPr>
-          <p:cNvPr id="3" name="Content Placeholder 2">
-            <a:extLst>
-              <a:ext uri="{FF2B5EF4-FFF2-40B4-BE49-F238E27FC236}">
-                <a16:creationId xmlns:a16="http://schemas.microsoft.com/office/drawing/2014/main" id="{940D2C14-A9B6-614A-833C-8EEB4C37FF35}"/>
-              </a:ext>
-            </a:extLst>
-          </p:cNvPr>
-          <p:cNvSpPr>
-            <a:spLocks noGrp="1"/>
-          </p:cNvSpPr>
-          <p:nvPr>
             <p:ph idx="1"/>
           </p:nvPr>
         </p:nvSpPr>
-        <p:spPr/>
-        <p:txBody>
-          <a:bodyPr/>
-          <a:lstStyle/>
-          <a:p>
-            <a:pPr>
-              <a:buFontTx/>
-              <a:buChar char="-"/>
-            </a:pPr>
-            <a:r>
-              <a:rPr lang="en-US" sz="2000" dirty="0"/>
-              <a:t>Given the LEF and DEF files browsed by the user, the website calls a function generating and SVG file by parsing the files and generating the corresponding SVG file.</a:t>
-            </a:r>
-          </a:p>
-          <a:p>
-            <a:r>
-              <a:rPr lang="en-US" sz="2000" dirty="0"/>
-              <a:t>The function is called using Flask python library to serve as the backend framework of the website to take the file names as inputs from the user and call the SVG generation function.</a:t>
-            </a:r>
-          </a:p>
-          <a:p>
-            <a:r>
-              <a:rPr lang="en-US" sz="2000" dirty="0"/>
-              <a:t>The website is offering the user the following features to be executed on the </a:t>
-            </a:r>
-            <a:r>
-              <a:rPr lang="en-US" sz="2000" dirty="0" err="1"/>
-              <a:t>frondend</a:t>
-            </a:r>
-            <a:r>
-              <a:rPr lang="en-US" sz="2000" dirty="0"/>
-              <a:t> of the website using jQuery, HTML, and CSS</a:t>
-            </a:r>
-            <a:br>
-              <a:rPr lang="en-US" dirty="0"/>
-            </a:br>
-            <a:endParaRPr lang="en-US" dirty="0"/>
+        <p:spPr>
+          <a:xfrm>
+            <a:off x="697524" y="1604433"/>
+            <a:ext cx="10131425" cy="3649133"/>
+          </a:xfrm>
+        </p:spPr>
+        <p:txBody>
+          <a:bodyPr>
+            <a:normAutofit/>
+          </a:bodyPr>
+          <a:lstStyle/>
+          <a:p>
+            <a:r>
+              <a:rPr lang="en-US" sz="2400" dirty="0"/>
+              <a:t>GitHub repo: </a:t>
+            </a:r>
+            <a:r>
+              <a:rPr lang="en-US" sz="2400" dirty="0">
+                <a:hlinkClick r:id="rId2"/>
+              </a:rPr>
+              <a:t>https://github.com/MohamedElatroush/DEFTOSVG</a:t>
+            </a:r>
+            <a:endParaRPr lang="en-US" sz="2400" dirty="0"/>
           </a:p>
         </p:txBody>
       </p:sp>
     </p:spTree>
     <p:extLst>
       <p:ext uri="{BB962C8B-B14F-4D97-AF65-F5344CB8AC3E}">
-        <p14:creationId xmlns:p14="http://schemas.microsoft.com/office/powerpoint/2010/main" val="4222452853"/>
+        <p14:creationId xmlns:p14="http://schemas.microsoft.com/office/powerpoint/2010/main" val="2982879348"/>
       </p:ext>
     </p:extLst>
   </p:cSld>
@@ -6078,7 +6036,7 @@
           <p:cNvPr id="2" name="Title 1">
             <a:extLst>
               <a:ext uri="{FF2B5EF4-FFF2-40B4-BE49-F238E27FC236}">
-                <a16:creationId xmlns:a16="http://schemas.microsoft.com/office/drawing/2014/main" id="{C403B31D-447A-A64A-B740-174591F61011}"/>
+                <a16:creationId xmlns:a16="http://schemas.microsoft.com/office/drawing/2014/main" id="{C9C3CE29-2FE7-BA48-92A3-81C32CB4EA7B}"/>
               </a:ext>
             </a:extLst>
           </p:cNvPr>
@@ -6096,11 +6054,8 @@
           <a:p>
             <a:r>
               <a:rPr lang="en-US" b="1" dirty="0"/>
-              <a:t>What Has Been Done</a:t>
-            </a:r>
-            <a:br>
-              <a:rPr lang="en-US" b="1" dirty="0"/>
-            </a:br>
+              <a:t>Technical Aspects</a:t>
+            </a:r>
             <a:endParaRPr lang="en-US" dirty="0"/>
           </a:p>
         </p:txBody>
@@ -6110,7 +6065,7 @@
           <p:cNvPr id="3" name="Content Placeholder 2">
             <a:extLst>
               <a:ext uri="{FF2B5EF4-FFF2-40B4-BE49-F238E27FC236}">
-                <a16:creationId xmlns:a16="http://schemas.microsoft.com/office/drawing/2014/main" id="{CA7A2741-34EA-6F40-ADB2-B99C74455497}"/>
+                <a16:creationId xmlns:a16="http://schemas.microsoft.com/office/drawing/2014/main" id="{940D2C14-A9B6-614A-833C-8EEB4C37FF35}"/>
               </a:ext>
             </a:extLst>
           </p:cNvPr>
@@ -6126,57 +6081,37 @@
           <a:bodyPr/>
           <a:lstStyle/>
           <a:p>
+            <a:pPr>
+              <a:buFontTx/>
+              <a:buChar char="-"/>
+            </a:pPr>
             <a:r>
               <a:rPr lang="en-US" sz="2000" dirty="0"/>
-              <a:t>Python SVG Generation Function</a:t>
+              <a:t>Given the LEF and DEF files browsed by the user, the website calls a function generating and SVG file by parsing the files and generating the corresponding SVG file.</a:t>
             </a:r>
           </a:p>
           <a:p>
             <a:r>
               <a:rPr lang="en-US" sz="2000" dirty="0"/>
-              <a:t>Flask Backend Handling</a:t>
+              <a:t>The function is called using Flask python library to serve as the backend framework of the website to take the file names as inputs from the user and call the SVG generation function.</a:t>
             </a:r>
           </a:p>
           <a:p>
             <a:r>
               <a:rPr lang="en-US" sz="2000" dirty="0"/>
-              <a:t>Zooming and Panning Feature</a:t>
-            </a:r>
-          </a:p>
-          <a:p>
+              <a:t>The website is offering the user the following features to be executed on the </a:t>
+            </a:r>
+            <a:r>
+              <a:rPr lang="en-US" sz="2000" dirty="0" err="1"/>
+              <a:t>frondend</a:t>
+            </a:r>
             <a:r>
               <a:rPr lang="en-US" sz="2000" dirty="0"/>
-              <a:t>Cell Name Display on Hovering</a:t>
-            </a:r>
-          </a:p>
-          <a:p>
-            <a:r>
-              <a:rPr lang="en-US" sz="2000" dirty="0"/>
-              <a:t>Layers Enabling List of Checkboxes</a:t>
-            </a:r>
-          </a:p>
-          <a:p>
-            <a:r>
-              <a:rPr lang="en-US" sz="2000" dirty="0"/>
-              <a:t>Searchable Lists Generation</a:t>
-            </a:r>
-          </a:p>
-          <a:p>
-            <a:r>
-              <a:rPr lang="en-US" sz="2000" dirty="0"/>
-              <a:t>Searched Element Highlighting</a:t>
-            </a:r>
-          </a:p>
-          <a:p>
-            <a:pPr marL="0" indent="0">
-              <a:buNone/>
-            </a:pPr>
-            <a:endParaRPr lang="en-US" sz="2000" dirty="0"/>
-          </a:p>
-          <a:p>
-            <a:pPr marL="0" indent="0">
-              <a:buNone/>
-            </a:pPr>
+              <a:t> of the website using jQuery, HTML, and CSS</a:t>
+            </a:r>
+            <a:br>
+              <a:rPr lang="en-US" dirty="0"/>
+            </a:br>
             <a:endParaRPr lang="en-US" dirty="0"/>
           </a:p>
         </p:txBody>
@@ -6184,7 +6119,7 @@
     </p:spTree>
     <p:extLst>
       <p:ext uri="{BB962C8B-B14F-4D97-AF65-F5344CB8AC3E}">
-        <p14:creationId xmlns:p14="http://schemas.microsoft.com/office/powerpoint/2010/main" val="2455716174"/>
+        <p14:creationId xmlns:p14="http://schemas.microsoft.com/office/powerpoint/2010/main" val="4222452853"/>
       </p:ext>
     </p:extLst>
   </p:cSld>
@@ -6216,6 +6151,144 @@
           <p:cNvPr id="2" name="Title 1">
             <a:extLst>
               <a:ext uri="{FF2B5EF4-FFF2-40B4-BE49-F238E27FC236}">
+                <a16:creationId xmlns:a16="http://schemas.microsoft.com/office/drawing/2014/main" id="{C403B31D-447A-A64A-B740-174591F61011}"/>
+              </a:ext>
+            </a:extLst>
+          </p:cNvPr>
+          <p:cNvSpPr>
+            <a:spLocks noGrp="1"/>
+          </p:cNvSpPr>
+          <p:nvPr>
+            <p:ph type="title"/>
+          </p:nvPr>
+        </p:nvSpPr>
+        <p:spPr/>
+        <p:txBody>
+          <a:bodyPr/>
+          <a:lstStyle/>
+          <a:p>
+            <a:r>
+              <a:rPr lang="en-US" b="1" dirty="0"/>
+              <a:t>What Has Been Done</a:t>
+            </a:r>
+            <a:br>
+              <a:rPr lang="en-US" b="1" dirty="0"/>
+            </a:br>
+            <a:endParaRPr lang="en-US" dirty="0"/>
+          </a:p>
+        </p:txBody>
+      </p:sp>
+      <p:sp>
+        <p:nvSpPr>
+          <p:cNvPr id="3" name="Content Placeholder 2">
+            <a:extLst>
+              <a:ext uri="{FF2B5EF4-FFF2-40B4-BE49-F238E27FC236}">
+                <a16:creationId xmlns:a16="http://schemas.microsoft.com/office/drawing/2014/main" id="{CA7A2741-34EA-6F40-ADB2-B99C74455497}"/>
+              </a:ext>
+            </a:extLst>
+          </p:cNvPr>
+          <p:cNvSpPr>
+            <a:spLocks noGrp="1"/>
+          </p:cNvSpPr>
+          <p:nvPr>
+            <p:ph idx="1"/>
+          </p:nvPr>
+        </p:nvSpPr>
+        <p:spPr/>
+        <p:txBody>
+          <a:bodyPr/>
+          <a:lstStyle/>
+          <a:p>
+            <a:r>
+              <a:rPr lang="en-US" sz="2000" dirty="0"/>
+              <a:t>Python SVG Generation Function</a:t>
+            </a:r>
+          </a:p>
+          <a:p>
+            <a:r>
+              <a:rPr lang="en-US" sz="2000" dirty="0"/>
+              <a:t>Flask Backend Handling</a:t>
+            </a:r>
+          </a:p>
+          <a:p>
+            <a:r>
+              <a:rPr lang="en-US" sz="2000" dirty="0"/>
+              <a:t>Zooming and Panning Feature</a:t>
+            </a:r>
+          </a:p>
+          <a:p>
+            <a:r>
+              <a:rPr lang="en-US" sz="2000" dirty="0"/>
+              <a:t>Cell Name Display on Hovering</a:t>
+            </a:r>
+          </a:p>
+          <a:p>
+            <a:r>
+              <a:rPr lang="en-US" sz="2000" dirty="0"/>
+              <a:t>Layers Enabling List of Checkboxes</a:t>
+            </a:r>
+          </a:p>
+          <a:p>
+            <a:r>
+              <a:rPr lang="en-US" sz="2000" dirty="0"/>
+              <a:t>Searchable Lists Generation</a:t>
+            </a:r>
+          </a:p>
+          <a:p>
+            <a:r>
+              <a:rPr lang="en-US" sz="2000" dirty="0"/>
+              <a:t>Searched Element Highlighting</a:t>
+            </a:r>
+          </a:p>
+          <a:p>
+            <a:pPr marL="0" indent="0">
+              <a:buNone/>
+            </a:pPr>
+            <a:endParaRPr lang="en-US" sz="2000" dirty="0"/>
+          </a:p>
+          <a:p>
+            <a:pPr marL="0" indent="0">
+              <a:buNone/>
+            </a:pPr>
+            <a:endParaRPr lang="en-US" dirty="0"/>
+          </a:p>
+        </p:txBody>
+      </p:sp>
+    </p:spTree>
+    <p:extLst>
+      <p:ext uri="{BB962C8B-B14F-4D97-AF65-F5344CB8AC3E}">
+        <p14:creationId xmlns:p14="http://schemas.microsoft.com/office/powerpoint/2010/main" val="2455716174"/>
+      </p:ext>
+    </p:extLst>
+  </p:cSld>
+  <p:clrMapOvr>
+    <a:masterClrMapping/>
+  </p:clrMapOvr>
+</p:sld>
+</file>
+
+<file path=ppt/slides/slide5.xml><?xml version="1.0" encoding="utf-8"?>
+<p:sld xmlns:a="http://schemas.openxmlformats.org/drawingml/2006/main" xmlns:r="http://schemas.openxmlformats.org/officeDocument/2006/relationships" xmlns:p="http://schemas.openxmlformats.org/presentationml/2006/main">
+  <p:cSld>
+    <p:spTree>
+      <p:nvGrpSpPr>
+        <p:cNvPr id="1" name=""/>
+        <p:cNvGrpSpPr/>
+        <p:nvPr/>
+      </p:nvGrpSpPr>
+      <p:grpSpPr>
+        <a:xfrm>
+          <a:off x="0" y="0"/>
+          <a:ext cx="0" cy="0"/>
+          <a:chOff x="0" y="0"/>
+          <a:chExt cx="0" cy="0"/>
+        </a:xfrm>
+      </p:grpSpPr>
+      <p:sp>
+        <p:nvSpPr>
+          <p:cNvPr id="2" name="Title 1">
+            <a:extLst>
+              <a:ext uri="{FF2B5EF4-FFF2-40B4-BE49-F238E27FC236}">
                 <a16:creationId xmlns:a16="http://schemas.microsoft.com/office/drawing/2014/main" id="{220771B5-2E06-4D4B-B9E8-26EF04657F38}"/>
               </a:ext>
             </a:extLst>
@@ -6292,7 +6365,7 @@
 </p:sld>
 </file>
 
-<file path=ppt/slides/slide5.xml><?xml version="1.0" encoding="utf-8"?>
+<file path=ppt/slides/slide6.xml><?xml version="1.0" encoding="utf-8"?>
 <p:sld xmlns:a="http://schemas.openxmlformats.org/drawingml/2006/main" xmlns:r="http://schemas.openxmlformats.org/officeDocument/2006/relationships" xmlns:p="http://schemas.openxmlformats.org/presentationml/2006/main">
   <p:cSld>
     <p:spTree>

--- a/MS1 - DD2.pptx
+++ b/MS1 - DD2.pptx
@@ -6,10 +6,10 @@
   </p:sldMasterIdLst>
   <p:sldIdLst>
     <p:sldId id="256" r:id="rId2"/>
-    <p:sldId id="261" r:id="rId3"/>
-    <p:sldId id="257" r:id="rId4"/>
-    <p:sldId id="258" r:id="rId5"/>
-    <p:sldId id="259" r:id="rId6"/>
+    <p:sldId id="257" r:id="rId3"/>
+    <p:sldId id="258" r:id="rId4"/>
+    <p:sldId id="259" r:id="rId5"/>
+    <p:sldId id="263" r:id="rId6"/>
     <p:sldId id="260" r:id="rId7"/>
   </p:sldIdLst>
   <p:sldSz cx="12192000" cy="6858000"/>
@@ -5961,10 +5961,39 @@
       </p:grpSpPr>
       <p:sp>
         <p:nvSpPr>
+          <p:cNvPr id="2" name="Title 1">
+            <a:extLst>
+              <a:ext uri="{FF2B5EF4-FFF2-40B4-BE49-F238E27FC236}">
+                <a16:creationId xmlns:a16="http://schemas.microsoft.com/office/drawing/2014/main" id="{C9C3CE29-2FE7-BA48-92A3-81C32CB4EA7B}"/>
+              </a:ext>
+            </a:extLst>
+          </p:cNvPr>
+          <p:cNvSpPr>
+            <a:spLocks noGrp="1"/>
+          </p:cNvSpPr>
+          <p:nvPr>
+            <p:ph type="title"/>
+          </p:nvPr>
+        </p:nvSpPr>
+        <p:spPr/>
+        <p:txBody>
+          <a:bodyPr/>
+          <a:lstStyle/>
+          <a:p>
+            <a:r>
+              <a:rPr lang="en-US" b="1" dirty="0"/>
+              <a:t>Technical Aspects</a:t>
+            </a:r>
+            <a:endParaRPr lang="en-US" dirty="0"/>
+          </a:p>
+        </p:txBody>
+      </p:sp>
+      <p:sp>
+        <p:nvSpPr>
           <p:cNvPr id="3" name="Content Placeholder 2">
             <a:extLst>
               <a:ext uri="{FF2B5EF4-FFF2-40B4-BE49-F238E27FC236}">
-                <a16:creationId xmlns:a16="http://schemas.microsoft.com/office/drawing/2014/main" id="{CD717B56-32D4-DA4D-B845-C35A61E38883}"/>
+                <a16:creationId xmlns:a16="http://schemas.microsoft.com/office/drawing/2014/main" id="{940D2C14-A9B6-614A-833C-8EEB4C37FF35}"/>
               </a:ext>
             </a:extLst>
           </p:cNvPr>
@@ -5975,36 +6004,50 @@
             <p:ph idx="1"/>
           </p:nvPr>
         </p:nvSpPr>
-        <p:spPr>
-          <a:xfrm>
-            <a:off x="697524" y="1604433"/>
-            <a:ext cx="10131425" cy="3649133"/>
-          </a:xfrm>
-        </p:spPr>
-        <p:txBody>
-          <a:bodyPr>
-            <a:normAutofit/>
-          </a:bodyPr>
-          <a:lstStyle/>
-          <a:p>
-            <a:r>
-              <a:rPr lang="en-US" sz="2400" dirty="0"/>
-              <a:t>GitHub repo: </a:t>
-            </a:r>
-            <a:r>
-              <a:rPr lang="en-US" sz="2400" dirty="0">
-                <a:hlinkClick r:id="rId2"/>
-              </a:rPr>
-              <a:t>https://github.com/MohamedElatroush/DEFTOSVG</a:t>
-            </a:r>
-            <a:endParaRPr lang="en-US" sz="2400" dirty="0"/>
+        <p:spPr/>
+        <p:txBody>
+          <a:bodyPr/>
+          <a:lstStyle/>
+          <a:p>
+            <a:pPr>
+              <a:buFontTx/>
+              <a:buChar char="-"/>
+            </a:pPr>
+            <a:r>
+              <a:rPr lang="en-US" sz="2000" dirty="0"/>
+              <a:t>Given the LEF and DEF files browsed by the user, the website calls a function generating and SVG file by parsing the files and generating the corresponding SVG file.</a:t>
+            </a:r>
+          </a:p>
+          <a:p>
+            <a:r>
+              <a:rPr lang="en-US" sz="2000" dirty="0"/>
+              <a:t>The function is called using Flask python library to serve as the backend framework of the website to take the file names as inputs from the user and call the SVG generation function.</a:t>
+            </a:r>
+          </a:p>
+          <a:p>
+            <a:r>
+              <a:rPr lang="en-US" sz="2000" dirty="0"/>
+              <a:t>The website is offering the user the following features to be executed on the </a:t>
+            </a:r>
+            <a:r>
+              <a:rPr lang="en-US" sz="2000" dirty="0" err="1"/>
+              <a:t>frondend</a:t>
+            </a:r>
+            <a:r>
+              <a:rPr lang="en-US" sz="2000" dirty="0"/>
+              <a:t> of the website using jQuery, HTML, and CSS</a:t>
+            </a:r>
+            <a:br>
+              <a:rPr lang="en-US" dirty="0"/>
+            </a:br>
+            <a:endParaRPr lang="en-US" dirty="0"/>
           </a:p>
         </p:txBody>
       </p:sp>
     </p:spTree>
     <p:extLst>
       <p:ext uri="{BB962C8B-B14F-4D97-AF65-F5344CB8AC3E}">
-        <p14:creationId xmlns:p14="http://schemas.microsoft.com/office/powerpoint/2010/main" val="2982879348"/>
+        <p14:creationId xmlns:p14="http://schemas.microsoft.com/office/powerpoint/2010/main" val="4222452853"/>
       </p:ext>
     </p:extLst>
   </p:cSld>
@@ -6036,7 +6079,7 @@
           <p:cNvPr id="2" name="Title 1">
             <a:extLst>
               <a:ext uri="{FF2B5EF4-FFF2-40B4-BE49-F238E27FC236}">
-                <a16:creationId xmlns:a16="http://schemas.microsoft.com/office/drawing/2014/main" id="{C9C3CE29-2FE7-BA48-92A3-81C32CB4EA7B}"/>
+                <a16:creationId xmlns:a16="http://schemas.microsoft.com/office/drawing/2014/main" id="{C403B31D-447A-A64A-B740-174591F61011}"/>
               </a:ext>
             </a:extLst>
           </p:cNvPr>
@@ -6054,8 +6097,11 @@
           <a:p>
             <a:r>
               <a:rPr lang="en-US" b="1" dirty="0"/>
-              <a:t>Technical Aspects</a:t>
-            </a:r>
+              <a:t>What Has Been Done</a:t>
+            </a:r>
+            <a:br>
+              <a:rPr lang="en-US" b="1" dirty="0"/>
+            </a:br>
             <a:endParaRPr lang="en-US" dirty="0"/>
           </a:p>
         </p:txBody>
@@ -6065,7 +6111,7 @@
           <p:cNvPr id="3" name="Content Placeholder 2">
             <a:extLst>
               <a:ext uri="{FF2B5EF4-FFF2-40B4-BE49-F238E27FC236}">
-                <a16:creationId xmlns:a16="http://schemas.microsoft.com/office/drawing/2014/main" id="{940D2C14-A9B6-614A-833C-8EEB4C37FF35}"/>
+                <a16:creationId xmlns:a16="http://schemas.microsoft.com/office/drawing/2014/main" id="{CA7A2741-34EA-6F40-ADB2-B99C74455497}"/>
               </a:ext>
             </a:extLst>
           </p:cNvPr>
@@ -6081,37 +6127,57 @@
           <a:bodyPr/>
           <a:lstStyle/>
           <a:p>
-            <a:pPr>
-              <a:buFontTx/>
-              <a:buChar char="-"/>
+            <a:r>
+              <a:rPr lang="en-US" sz="2000" dirty="0"/>
+              <a:t>Python SVG Generation Function</a:t>
+            </a:r>
+          </a:p>
+          <a:p>
+            <a:r>
+              <a:rPr lang="en-US" sz="2000" dirty="0"/>
+              <a:t>Flask Backend Handling</a:t>
+            </a:r>
+          </a:p>
+          <a:p>
+            <a:r>
+              <a:rPr lang="en-US" sz="2000" dirty="0"/>
+              <a:t>Zooming and Panning Feature</a:t>
+            </a:r>
+          </a:p>
+          <a:p>
+            <a:r>
+              <a:rPr lang="en-US" sz="2000" dirty="0"/>
+              <a:t>Cell Name Display on Hovering</a:t>
+            </a:r>
+          </a:p>
+          <a:p>
+            <a:r>
+              <a:rPr lang="en-US" sz="2000" dirty="0"/>
+              <a:t>Layers Enabling List of Checkboxes</a:t>
+            </a:r>
+          </a:p>
+          <a:p>
+            <a:r>
+              <a:rPr lang="en-US" sz="2000" dirty="0"/>
+              <a:t>Searchable Lists Generation</a:t>
+            </a:r>
+          </a:p>
+          <a:p>
+            <a:r>
+              <a:rPr lang="en-US" sz="2000" dirty="0"/>
+              <a:t>Searched Element Highlighting</a:t>
+            </a:r>
+          </a:p>
+          <a:p>
+            <a:pPr marL="0" indent="0">
+              <a:buNone/>
             </a:pPr>
-            <a:r>
-              <a:rPr lang="en-US" sz="2000" dirty="0"/>
-              <a:t>Given the LEF and DEF files browsed by the user, the website calls a function generating and SVG file by parsing the files and generating the corresponding SVG file.</a:t>
-            </a:r>
-          </a:p>
-          <a:p>
-            <a:r>
-              <a:rPr lang="en-US" sz="2000" dirty="0"/>
-              <a:t>The function is called using Flask python library to serve as the backend framework of the website to take the file names as inputs from the user and call the SVG generation function.</a:t>
-            </a:r>
-          </a:p>
-          <a:p>
-            <a:r>
-              <a:rPr lang="en-US" sz="2000" dirty="0"/>
-              <a:t>The website is offering the user the following features to be executed on the </a:t>
-            </a:r>
-            <a:r>
-              <a:rPr lang="en-US" sz="2000" dirty="0" err="1"/>
-              <a:t>frondend</a:t>
-            </a:r>
-            <a:r>
-              <a:rPr lang="en-US" sz="2000" dirty="0"/>
-              <a:t> of the website using jQuery, HTML, and CSS</a:t>
-            </a:r>
-            <a:br>
-              <a:rPr lang="en-US" dirty="0"/>
-            </a:br>
+            <a:endParaRPr lang="en-US" sz="2000" dirty="0"/>
+          </a:p>
+          <a:p>
+            <a:pPr marL="0" indent="0">
+              <a:buNone/>
+            </a:pPr>
             <a:endParaRPr lang="en-US" dirty="0"/>
           </a:p>
         </p:txBody>
@@ -6119,7 +6185,7 @@
     </p:spTree>
     <p:extLst>
       <p:ext uri="{BB962C8B-B14F-4D97-AF65-F5344CB8AC3E}">
-        <p14:creationId xmlns:p14="http://schemas.microsoft.com/office/powerpoint/2010/main" val="4222452853"/>
+        <p14:creationId xmlns:p14="http://schemas.microsoft.com/office/powerpoint/2010/main" val="2455716174"/>
       </p:ext>
     </p:extLst>
   </p:cSld>
@@ -6151,7 +6217,7 @@
           <p:cNvPr id="2" name="Title 1">
             <a:extLst>
               <a:ext uri="{FF2B5EF4-FFF2-40B4-BE49-F238E27FC236}">
-                <a16:creationId xmlns:a16="http://schemas.microsoft.com/office/drawing/2014/main" id="{C403B31D-447A-A64A-B740-174591F61011}"/>
+                <a16:creationId xmlns:a16="http://schemas.microsoft.com/office/drawing/2014/main" id="{220771B5-2E06-4D4B-B9E8-26EF04657F38}"/>
               </a:ext>
             </a:extLst>
           </p:cNvPr>
@@ -6164,12 +6230,17 @@
         </p:nvSpPr>
         <p:spPr/>
         <p:txBody>
-          <a:bodyPr/>
-          <a:lstStyle/>
-          <a:p>
-            <a:r>
+          <a:bodyPr>
+            <a:normAutofit fontScale="90000"/>
+          </a:bodyPr>
+          <a:lstStyle/>
+          <a:p>
+            <a:br>
               <a:rPr lang="en-US" b="1" dirty="0"/>
-              <a:t>What Has Been Done</a:t>
+            </a:br>
+            <a:r>
+              <a:rPr lang="en-US" b="1" dirty="0"/>
+              <a:t>What is Left</a:t>
             </a:r>
             <a:br>
               <a:rPr lang="en-US" b="1" dirty="0"/>
@@ -6183,7 +6254,7 @@
           <p:cNvPr id="3" name="Content Placeholder 2">
             <a:extLst>
               <a:ext uri="{FF2B5EF4-FFF2-40B4-BE49-F238E27FC236}">
-                <a16:creationId xmlns:a16="http://schemas.microsoft.com/office/drawing/2014/main" id="{CA7A2741-34EA-6F40-ADB2-B99C74455497}"/>
+                <a16:creationId xmlns:a16="http://schemas.microsoft.com/office/drawing/2014/main" id="{8B0EF443-71DC-0C40-835C-60C5C4C61E0A}"/>
               </a:ext>
             </a:extLst>
           </p:cNvPr>
@@ -6201,55 +6272,16 @@
           <a:p>
             <a:r>
               <a:rPr lang="en-US" sz="2000" dirty="0"/>
-              <a:t>Python SVG Generation Function</a:t>
+              <a:t>DRC Violations Highlighting</a:t>
             </a:r>
           </a:p>
           <a:p>
             <a:r>
               <a:rPr lang="en-US" sz="2000" dirty="0"/>
-              <a:t>Flask Backend Handling</a:t>
-            </a:r>
-          </a:p>
-          <a:p>
-            <a:r>
-              <a:rPr lang="en-US" sz="2000" dirty="0"/>
-              <a:t>Zooming and Panning Feature</a:t>
-            </a:r>
-          </a:p>
-          <a:p>
-            <a:r>
-              <a:rPr lang="en-US" sz="2000" dirty="0"/>
-              <a:t>Cell Name Display on Hovering</a:t>
-            </a:r>
-          </a:p>
-          <a:p>
-            <a:r>
-              <a:rPr lang="en-US" sz="2000" dirty="0"/>
-              <a:t>Layers Enabling List of Checkboxes</a:t>
-            </a:r>
-          </a:p>
-          <a:p>
-            <a:r>
-              <a:rPr lang="en-US" sz="2000" dirty="0"/>
-              <a:t>Searchable Lists Generation</a:t>
-            </a:r>
-          </a:p>
-          <a:p>
-            <a:r>
-              <a:rPr lang="en-US" sz="2000" dirty="0"/>
-              <a:t>Searched Element Highlighting</a:t>
-            </a:r>
-          </a:p>
-          <a:p>
-            <a:pPr marL="0" indent="0">
-              <a:buNone/>
-            </a:pPr>
-            <a:endParaRPr lang="en-US" sz="2000" dirty="0"/>
-          </a:p>
-          <a:p>
-            <a:pPr marL="0" indent="0">
-              <a:buNone/>
-            </a:pPr>
+              <a:t>Fixing pages navigation</a:t>
+            </a:r>
+          </a:p>
+          <a:p>
             <a:endParaRPr lang="en-US" dirty="0"/>
           </a:p>
         </p:txBody>
@@ -6257,7 +6289,7 @@
     </p:spTree>
     <p:extLst>
       <p:ext uri="{BB962C8B-B14F-4D97-AF65-F5344CB8AC3E}">
-        <p14:creationId xmlns:p14="http://schemas.microsoft.com/office/powerpoint/2010/main" val="2455716174"/>
+        <p14:creationId xmlns:p14="http://schemas.microsoft.com/office/powerpoint/2010/main" val="3795420215"/>
       </p:ext>
     </p:extLst>
   </p:cSld>
@@ -6286,10 +6318,10 @@
       </p:grpSpPr>
       <p:sp>
         <p:nvSpPr>
-          <p:cNvPr id="2" name="Title 1">
+          <p:cNvPr id="3" name="Content Placeholder 2">
             <a:extLst>
               <a:ext uri="{FF2B5EF4-FFF2-40B4-BE49-F238E27FC236}">
-                <a16:creationId xmlns:a16="http://schemas.microsoft.com/office/drawing/2014/main" id="{220771B5-2E06-4D4B-B9E8-26EF04657F38}"/>
+                <a16:creationId xmlns:a16="http://schemas.microsoft.com/office/drawing/2014/main" id="{CD717B56-32D4-DA4D-B845-C35A61E38883}"/>
               </a:ext>
             </a:extLst>
           </p:cNvPr>
@@ -6297,65 +6329,39 @@
             <a:spLocks noGrp="1"/>
           </p:cNvSpPr>
           <p:nvPr>
-            <p:ph type="title"/>
-          </p:nvPr>
-        </p:nvSpPr>
-        <p:spPr/>
+            <p:ph idx="1"/>
+          </p:nvPr>
+        </p:nvSpPr>
+        <p:spPr>
+          <a:xfrm>
+            <a:off x="697524" y="1604433"/>
+            <a:ext cx="10131425" cy="3649133"/>
+          </a:xfrm>
+        </p:spPr>
         <p:txBody>
           <a:bodyPr>
-            <a:normAutofit fontScale="90000"/>
+            <a:normAutofit/>
           </a:bodyPr>
           <a:lstStyle/>
           <a:p>
-            <a:br>
-              <a:rPr lang="en-US" b="1" dirty="0"/>
-            </a:br>
-            <a:r>
-              <a:rPr lang="en-US" b="1" dirty="0"/>
-              <a:t>What is Left</a:t>
-            </a:r>
-            <a:br>
-              <a:rPr lang="en-US" b="1" dirty="0"/>
-            </a:br>
-            <a:endParaRPr lang="en-US" dirty="0"/>
-          </a:p>
-        </p:txBody>
-      </p:sp>
-      <p:sp>
-        <p:nvSpPr>
-          <p:cNvPr id="3" name="Content Placeholder 2">
-            <a:extLst>
-              <a:ext uri="{FF2B5EF4-FFF2-40B4-BE49-F238E27FC236}">
-                <a16:creationId xmlns:a16="http://schemas.microsoft.com/office/drawing/2014/main" id="{8B0EF443-71DC-0C40-835C-60C5C4C61E0A}"/>
-              </a:ext>
-            </a:extLst>
-          </p:cNvPr>
-          <p:cNvSpPr>
-            <a:spLocks noGrp="1"/>
-          </p:cNvSpPr>
-          <p:nvPr>
-            <p:ph idx="1"/>
-          </p:nvPr>
-        </p:nvSpPr>
-        <p:spPr/>
-        <p:txBody>
-          <a:bodyPr/>
-          <a:lstStyle/>
-          <a:p>
-            <a:r>
-              <a:rPr lang="en-US" sz="2000" dirty="0"/>
-              <a:t>DRC Violations Highlighting</a:t>
-            </a:r>
-          </a:p>
-          <a:p>
-            <a:endParaRPr lang="en-US" dirty="0"/>
+            <a:r>
+              <a:rPr lang="en-US" sz="2400" dirty="0"/>
+              <a:t>GitHub repo: </a:t>
+            </a:r>
+            <a:r>
+              <a:rPr lang="en-US" sz="2400" dirty="0">
+                <a:hlinkClick r:id="rId2"/>
+              </a:rPr>
+              <a:t>https://github.com/MohamedElatroush/DEFTOSVG</a:t>
+            </a:r>
+            <a:endParaRPr lang="en-US" sz="2400" dirty="0"/>
           </a:p>
         </p:txBody>
       </p:sp>
     </p:spTree>
     <p:extLst>
       <p:ext uri="{BB962C8B-B14F-4D97-AF65-F5344CB8AC3E}">
-        <p14:creationId xmlns:p14="http://schemas.microsoft.com/office/powerpoint/2010/main" val="3795420215"/>
+        <p14:creationId xmlns:p14="http://schemas.microsoft.com/office/powerpoint/2010/main" val="1556977911"/>
       </p:ext>
     </p:extLst>
   </p:cSld>

--- a/MS1 - DD2.pptx
+++ b/MS1 - DD2.pptx
@@ -346,7 +346,7 @@
           <a:p>
             <a:fld id="{EE524FA1-1BF4-8F46-91DB-91C84ACBC9F3}" type="datetimeFigureOut">
               <a:rPr lang="en-US" smtClean="0"/>
-              <a:t>12/3/19</a:t>
+              <a:t>12/5/2019</a:t>
             </a:fld>
             <a:endParaRPr lang="en-US"/>
           </a:p>
@@ -680,7 +680,7 @@
           <a:p>
             <a:fld id="{EE524FA1-1BF4-8F46-91DB-91C84ACBC9F3}" type="datetimeFigureOut">
               <a:rPr lang="en-US" smtClean="0"/>
-              <a:t>12/3/19</a:t>
+              <a:t>12/5/2019</a:t>
             </a:fld>
             <a:endParaRPr lang="en-US"/>
           </a:p>
@@ -958,7 +958,7 @@
           <a:p>
             <a:fld id="{EE524FA1-1BF4-8F46-91DB-91C84ACBC9F3}" type="datetimeFigureOut">
               <a:rPr lang="en-US" smtClean="0"/>
-              <a:t>12/3/19</a:t>
+              <a:t>12/5/2019</a:t>
             </a:fld>
             <a:endParaRPr lang="en-US"/>
           </a:p>
@@ -1526,7 +1526,7 @@
           <a:p>
             <a:fld id="{EE524FA1-1BF4-8F46-91DB-91C84ACBC9F3}" type="datetimeFigureOut">
               <a:rPr lang="en-US" smtClean="0"/>
-              <a:t>12/3/19</a:t>
+              <a:t>12/5/2019</a:t>
             </a:fld>
             <a:endParaRPr lang="en-US"/>
           </a:p>
@@ -1804,7 +1804,7 @@
           <a:p>
             <a:fld id="{EE524FA1-1BF4-8F46-91DB-91C84ACBC9F3}" type="datetimeFigureOut">
               <a:rPr lang="en-US" smtClean="0"/>
-              <a:t>12/3/19</a:t>
+              <a:t>12/5/2019</a:t>
             </a:fld>
             <a:endParaRPr lang="en-US"/>
           </a:p>
@@ -2366,7 +2366,7 @@
           <a:p>
             <a:fld id="{EE524FA1-1BF4-8F46-91DB-91C84ACBC9F3}" type="datetimeFigureOut">
               <a:rPr lang="en-US" smtClean="0"/>
-              <a:t>12/3/19</a:t>
+              <a:t>12/5/2019</a:t>
             </a:fld>
             <a:endParaRPr lang="en-US"/>
           </a:p>
@@ -2693,7 +2693,7 @@
           <a:p>
             <a:fld id="{EE524FA1-1BF4-8F46-91DB-91C84ACBC9F3}" type="datetimeFigureOut">
               <a:rPr lang="en-US" smtClean="0"/>
-              <a:t>12/3/19</a:t>
+              <a:t>12/5/2019</a:t>
             </a:fld>
             <a:endParaRPr lang="en-US"/>
           </a:p>
@@ -2870,7 +2870,7 @@
           <a:p>
             <a:fld id="{EE524FA1-1BF4-8F46-91DB-91C84ACBC9F3}" type="datetimeFigureOut">
               <a:rPr lang="en-US" smtClean="0"/>
-              <a:t>12/3/19</a:t>
+              <a:t>12/5/2019</a:t>
             </a:fld>
             <a:endParaRPr lang="en-US"/>
           </a:p>
@@ -3108,7 +3108,7 @@
           <a:p>
             <a:fld id="{EE524FA1-1BF4-8F46-91DB-91C84ACBC9F3}" type="datetimeFigureOut">
               <a:rPr lang="en-US" smtClean="0"/>
-              <a:t>12/3/19</a:t>
+              <a:t>12/5/2019</a:t>
             </a:fld>
             <a:endParaRPr lang="en-US"/>
           </a:p>
@@ -3308,7 +3308,7 @@
           <a:p>
             <a:fld id="{EE524FA1-1BF4-8F46-91DB-91C84ACBC9F3}" type="datetimeFigureOut">
               <a:rPr lang="en-US" smtClean="0"/>
-              <a:t>12/3/19</a:t>
+              <a:t>12/5/2019</a:t>
             </a:fld>
             <a:endParaRPr lang="en-US"/>
           </a:p>
@@ -3584,7 +3584,7 @@
           <a:p>
             <a:fld id="{EE524FA1-1BF4-8F46-91DB-91C84ACBC9F3}" type="datetimeFigureOut">
               <a:rPr lang="en-US" smtClean="0"/>
-              <a:t>12/3/19</a:t>
+              <a:t>12/5/2019</a:t>
             </a:fld>
             <a:endParaRPr lang="en-US"/>
           </a:p>
@@ -3850,7 +3850,7 @@
           <a:p>
             <a:fld id="{EE524FA1-1BF4-8F46-91DB-91C84ACBC9F3}" type="datetimeFigureOut">
               <a:rPr lang="en-US" smtClean="0"/>
-              <a:t>12/3/19</a:t>
+              <a:t>12/5/2019</a:t>
             </a:fld>
             <a:endParaRPr lang="en-US"/>
           </a:p>
@@ -4224,7 +4224,7 @@
           <a:p>
             <a:fld id="{EE524FA1-1BF4-8F46-91DB-91C84ACBC9F3}" type="datetimeFigureOut">
               <a:rPr lang="en-US" smtClean="0"/>
-              <a:t>12/3/19</a:t>
+              <a:t>12/5/2019</a:t>
             </a:fld>
             <a:endParaRPr lang="en-US"/>
           </a:p>
@@ -4372,7 +4372,7 @@
           <a:p>
             <a:fld id="{EE524FA1-1BF4-8F46-91DB-91C84ACBC9F3}" type="datetimeFigureOut">
               <a:rPr lang="en-US" smtClean="0"/>
-              <a:t>12/3/19</a:t>
+              <a:t>12/5/2019</a:t>
             </a:fld>
             <a:endParaRPr lang="en-US"/>
           </a:p>
@@ -4497,7 +4497,7 @@
           <a:p>
             <a:fld id="{EE524FA1-1BF4-8F46-91DB-91C84ACBC9F3}" type="datetimeFigureOut">
               <a:rPr lang="en-US" smtClean="0"/>
-              <a:t>12/3/19</a:t>
+              <a:t>12/5/2019</a:t>
             </a:fld>
             <a:endParaRPr lang="en-US"/>
           </a:p>
@@ -4782,7 +4782,7 @@
           <a:p>
             <a:fld id="{EE524FA1-1BF4-8F46-91DB-91C84ACBC9F3}" type="datetimeFigureOut">
               <a:rPr lang="en-US" smtClean="0"/>
-              <a:t>12/3/19</a:t>
+              <a:t>12/5/2019</a:t>
             </a:fld>
             <a:endParaRPr lang="en-US"/>
           </a:p>
@@ -5106,7 +5106,7 @@
           <a:p>
             <a:fld id="{EE524FA1-1BF4-8F46-91DB-91C84ACBC9F3}" type="datetimeFigureOut">
               <a:rPr lang="en-US" smtClean="0"/>
-              <a:t>12/3/19</a:t>
+              <a:t>12/5/2019</a:t>
             </a:fld>
             <a:endParaRPr lang="en-US"/>
           </a:p>
@@ -5320,7 +5320,7 @@
           <a:p>
             <a:fld id="{EE524FA1-1BF4-8F46-91DB-91C84ACBC9F3}" type="datetimeFigureOut">
               <a:rPr lang="en-US" smtClean="0"/>
-              <a:t>12/3/19</a:t>
+              <a:t>12/5/2019</a:t>
             </a:fld>
             <a:endParaRPr lang="en-US"/>
           </a:p>
@@ -5855,8 +5855,8 @@
           <a:lstStyle/>
           <a:p>
             <a:r>
-              <a:rPr lang="en-US" dirty="0"/>
-              <a:t>DEFTOSVG</a:t>
+              <a:rPr lang="en-US" b="1" dirty="0"/>
+              <a:t>Web-based Layout Viewer</a:t>
             </a:r>
           </a:p>
         </p:txBody>
@@ -6009,10 +6009,6 @@
           <a:bodyPr/>
           <a:lstStyle/>
           <a:p>
-            <a:pPr>
-              <a:buFontTx/>
-              <a:buChar char="-"/>
-            </a:pPr>
             <a:r>
               <a:rPr lang="en-US" sz="2000" dirty="0"/>
               <a:t>Given the LEF and DEF files browsed by the user, the website calls a function generating and SVG file by parsing the files and generating the corresponding SVG file.</a:t>
@@ -6027,15 +6023,7 @@
           <a:p>
             <a:r>
               <a:rPr lang="en-US" sz="2000" dirty="0"/>
-              <a:t>The website is offering the user the following features to be executed on the </a:t>
-            </a:r>
-            <a:r>
-              <a:rPr lang="en-US" sz="2000" dirty="0" err="1"/>
-              <a:t>frondend</a:t>
-            </a:r>
-            <a:r>
-              <a:rPr lang="en-US" sz="2000" dirty="0"/>
-              <a:t> of the website using jQuery, HTML, and CSS</a:t>
+              <a:t>The website is offering the user the following features to be executed on the frontend of the website using jQuery, HTML, and CSS</a:t>
             </a:r>
             <a:br>
               <a:rPr lang="en-US" dirty="0"/>
@@ -6271,18 +6259,21 @@
           <a:lstStyle/>
           <a:p>
             <a:r>
-              <a:rPr lang="en-US" sz="2000" dirty="0"/>
+              <a:rPr lang="en-US" dirty="0"/>
+              <a:t>Enhancing Pins Highlighting</a:t>
+            </a:r>
+          </a:p>
+          <a:p>
+            <a:r>
+              <a:rPr lang="en-US" dirty="0"/>
+              <a:t>Searchable Nets Generation</a:t>
+            </a:r>
+          </a:p>
+          <a:p>
+            <a:r>
+              <a:rPr lang="en-US" dirty="0"/>
               <a:t>DRC Violations Highlighting</a:t>
             </a:r>
-          </a:p>
-          <a:p>
-            <a:r>
-              <a:rPr lang="en-US" sz="2000" dirty="0"/>
-              <a:t>Fixing pages navigation</a:t>
-            </a:r>
-          </a:p>
-          <a:p>
-            <a:endParaRPr lang="en-US" dirty="0"/>
           </a:p>
         </p:txBody>
       </p:sp>
@@ -6432,7 +6423,12 @@
             <p:ph idx="1"/>
           </p:nvPr>
         </p:nvSpPr>
-        <p:spPr/>
+        <p:spPr>
+          <a:xfrm>
+            <a:off x="685800" y="453944"/>
+            <a:ext cx="10131425" cy="3649133"/>
+          </a:xfrm>
+        </p:spPr>
         <p:txBody>
           <a:bodyPr/>
           <a:lstStyle/>

--- a/MS1 - DD2.pptx
+++ b/MS1 - DD2.pptx
@@ -6425,7 +6425,7 @@
         </p:nvSpPr>
         <p:spPr>
           <a:xfrm>
-            <a:off x="685800" y="453944"/>
+            <a:off x="685800" y="721230"/>
             <a:ext cx="10131425" cy="3649133"/>
           </a:xfrm>
         </p:spPr>
@@ -6434,28 +6434,28 @@
           <a:lstStyle/>
           <a:p>
             <a:r>
-              <a:rPr lang="en-US" dirty="0"/>
-              <a:t>https://</a:t>
-            </a:r>
-            <a:r>
-              <a:rPr lang="en-US" dirty="0" err="1"/>
-              <a:t>github.com</a:t>
-            </a:r>
-            <a:r>
-              <a:rPr lang="en-US" dirty="0"/>
-              <a:t>/</a:t>
-            </a:r>
-            <a:r>
-              <a:rPr lang="en-US" dirty="0" err="1"/>
-              <a:t>ariutta</a:t>
-            </a:r>
-            <a:r>
-              <a:rPr lang="en-US" dirty="0"/>
-              <a:t>/</a:t>
-            </a:r>
-            <a:r>
-              <a:rPr lang="en-US" dirty="0" err="1"/>
-              <a:t>svg-pan-zoom#svg-pan-zoom-library</a:t>
+              <a:rPr lang="en-US" dirty="0">
+                <a:hlinkClick r:id="rId2"/>
+              </a:rPr>
+              <a:t>https://github.com/ariutta/svg-pan-zoom#svg-pan-zoom-library</a:t>
+            </a:r>
+            <a:endParaRPr lang="en-US" dirty="0"/>
+          </a:p>
+          <a:p>
+            <a:r>
+              <a:rPr lang="en-US" dirty="0">
+                <a:hlinkClick r:id="rId3"/>
+              </a:rPr>
+              <a:t>http://flask.palletsprojects.com/en/1.1.x/</a:t>
+            </a:r>
+            <a:endParaRPr lang="en-US" dirty="0"/>
+          </a:p>
+          <a:p>
+            <a:r>
+              <a:rPr lang="en-US" dirty="0">
+                <a:hlinkClick r:id="rId4"/>
+              </a:rPr>
+              <a:t>https://api.jquery.com/</a:t>
             </a:r>
             <a:endParaRPr lang="en-US" dirty="0"/>
           </a:p>

--- a/MS1 - DD2.pptx
+++ b/MS1 - DD2.pptx
@@ -6006,23 +6006,40 @@
         </p:nvSpPr>
         <p:spPr/>
         <p:txBody>
-          <a:bodyPr/>
-          <a:lstStyle/>
-          <a:p>
-            <a:r>
-              <a:rPr lang="en-US" sz="2000" dirty="0"/>
+          <a:bodyPr>
+            <a:noAutofit/>
+          </a:bodyPr>
+          <a:lstStyle/>
+          <a:p>
+            <a:pPr>
+              <a:lnSpc>
+                <a:spcPct val="200000"/>
+              </a:lnSpc>
+            </a:pPr>
+            <a:r>
+              <a:rPr lang="en-US" dirty="0"/>
               <a:t>Given the LEF and DEF files browsed by the user, the website calls a function generating and SVG file by parsing the files and generating the corresponding SVG file.</a:t>
             </a:r>
           </a:p>
           <a:p>
-            <a:r>
-              <a:rPr lang="en-US" sz="2000" dirty="0"/>
+            <a:pPr>
+              <a:lnSpc>
+                <a:spcPct val="200000"/>
+              </a:lnSpc>
+            </a:pPr>
+            <a:r>
+              <a:rPr lang="en-US" dirty="0"/>
               <a:t>The function is called using Flask python library to serve as the backend framework of the website to take the file names as inputs from the user and call the SVG generation function.</a:t>
             </a:r>
           </a:p>
           <a:p>
-            <a:r>
-              <a:rPr lang="en-US" sz="2000" dirty="0"/>
+            <a:pPr>
+              <a:lnSpc>
+                <a:spcPct val="200000"/>
+              </a:lnSpc>
+            </a:pPr>
+            <a:r>
+              <a:rPr lang="en-US" dirty="0"/>
               <a:t>The website is offering the user the following features to be executed on the frontend of the website using jQuery, HTML, and CSS</a:t>
             </a:r>
             <a:br>
@@ -6260,7 +6277,7 @@
           <a:p>
             <a:r>
               <a:rPr lang="en-US" dirty="0"/>
-              <a:t>Enhancing Pins Highlighting</a:t>
+              <a:t>Enhancing the Highlighting</a:t>
             </a:r>
           </a:p>
           <a:p>
@@ -6273,6 +6290,18 @@
             <a:r>
               <a:rPr lang="en-US" dirty="0"/>
               <a:t>DRC Violations Highlighting</a:t>
+            </a:r>
+          </a:p>
+          <a:p>
+            <a:r>
+              <a:rPr lang="en-US" dirty="0"/>
+              <a:t>Enhancing the UI/UX</a:t>
+            </a:r>
+          </a:p>
+          <a:p>
+            <a:r>
+              <a:rPr lang="en-US" dirty="0"/>
+              <a:t>Documentation and Commentary</a:t>
             </a:r>
           </a:p>
         </p:txBody>

--- a/MS1 - DD2.pptx
+++ b/MS1 - DD2.pptx
@@ -6006,40 +6006,23 @@
         </p:nvSpPr>
         <p:spPr/>
         <p:txBody>
-          <a:bodyPr>
-            <a:noAutofit/>
-          </a:bodyPr>
-          <a:lstStyle/>
-          <a:p>
-            <a:pPr>
-              <a:lnSpc>
-                <a:spcPct val="200000"/>
-              </a:lnSpc>
-            </a:pPr>
-            <a:r>
-              <a:rPr lang="en-US" dirty="0"/>
+          <a:bodyPr/>
+          <a:lstStyle/>
+          <a:p>
+            <a:r>
+              <a:rPr lang="en-US" sz="2000" dirty="0"/>
               <a:t>Given the LEF and DEF files browsed by the user, the website calls a function generating and SVG file by parsing the files and generating the corresponding SVG file.</a:t>
             </a:r>
           </a:p>
           <a:p>
-            <a:pPr>
-              <a:lnSpc>
-                <a:spcPct val="200000"/>
-              </a:lnSpc>
-            </a:pPr>
-            <a:r>
-              <a:rPr lang="en-US" dirty="0"/>
+            <a:r>
+              <a:rPr lang="en-US" sz="2000" dirty="0"/>
               <a:t>The function is called using Flask python library to serve as the backend framework of the website to take the file names as inputs from the user and call the SVG generation function.</a:t>
             </a:r>
           </a:p>
           <a:p>
-            <a:pPr>
-              <a:lnSpc>
-                <a:spcPct val="200000"/>
-              </a:lnSpc>
-            </a:pPr>
-            <a:r>
-              <a:rPr lang="en-US" dirty="0"/>
+            <a:r>
+              <a:rPr lang="en-US" sz="2000" dirty="0"/>
               <a:t>The website is offering the user the following features to be executed on the frontend of the website using jQuery, HTML, and CSS</a:t>
             </a:r>
             <a:br>
@@ -6277,7 +6260,7 @@
           <a:p>
             <a:r>
               <a:rPr lang="en-US" dirty="0"/>
-              <a:t>Enhancing the Highlighting</a:t>
+              <a:t>Enhancing Pins Highlighting</a:t>
             </a:r>
           </a:p>
           <a:p>
@@ -6290,18 +6273,6 @@
             <a:r>
               <a:rPr lang="en-US" dirty="0"/>
               <a:t>DRC Violations Highlighting</a:t>
-            </a:r>
-          </a:p>
-          <a:p>
-            <a:r>
-              <a:rPr lang="en-US" dirty="0"/>
-              <a:t>Enhancing the UI/UX</a:t>
-            </a:r>
-          </a:p>
-          <a:p>
-            <a:r>
-              <a:rPr lang="en-US" dirty="0"/>
-              <a:t>Documentation and Commentary</a:t>
             </a:r>
           </a:p>
         </p:txBody>
